--- a/server/doc/por_audio_call_protocol.pptx
+++ b/server/doc/por_audio_call_protocol.pptx
@@ -104,6 +104,11 @@
       </a:defRPr>
     </a:lvl9pPr>
   </p:defaultTextStyle>
+  <p:extLst>
+    <p:ext uri="{EFAFB233-063F-42B5-8137-9DF3F51BA10A}">
+      <p15:sldGuideLst xmlns:p15="http://schemas.microsoft.com/office/powerpoint/2012/main"/>
+    </p:ext>
+  </p:extLst>
 </p:presentation>
 </file>
 
@@ -238,7 +243,7 @@
           <a:p>
             <a:fld id="{FA11F7C2-98F1-42A2-91AA-64EC788B80A9}" type="datetimeFigureOut">
               <a:rPr lang="en-US" smtClean="0"/>
-              <a:t>1/23/2017</a:t>
+              <a:t>1/28/2017</a:t>
             </a:fld>
             <a:endParaRPr lang="en-US"/>
           </a:p>
@@ -408,7 +413,7 @@
           <a:p>
             <a:fld id="{FA11F7C2-98F1-42A2-91AA-64EC788B80A9}" type="datetimeFigureOut">
               <a:rPr lang="en-US" smtClean="0"/>
-              <a:t>1/23/2017</a:t>
+              <a:t>1/28/2017</a:t>
             </a:fld>
             <a:endParaRPr lang="en-US"/>
           </a:p>
@@ -588,7 +593,7 @@
           <a:p>
             <a:fld id="{FA11F7C2-98F1-42A2-91AA-64EC788B80A9}" type="datetimeFigureOut">
               <a:rPr lang="en-US" smtClean="0"/>
-              <a:t>1/23/2017</a:t>
+              <a:t>1/28/2017</a:t>
             </a:fld>
             <a:endParaRPr lang="en-US"/>
           </a:p>
@@ -758,7 +763,7 @@
           <a:p>
             <a:fld id="{FA11F7C2-98F1-42A2-91AA-64EC788B80A9}" type="datetimeFigureOut">
               <a:rPr lang="en-US" smtClean="0"/>
-              <a:t>1/23/2017</a:t>
+              <a:t>1/28/2017</a:t>
             </a:fld>
             <a:endParaRPr lang="en-US"/>
           </a:p>
@@ -1004,7 +1009,7 @@
           <a:p>
             <a:fld id="{FA11F7C2-98F1-42A2-91AA-64EC788B80A9}" type="datetimeFigureOut">
               <a:rPr lang="en-US" smtClean="0"/>
-              <a:t>1/23/2017</a:t>
+              <a:t>1/28/2017</a:t>
             </a:fld>
             <a:endParaRPr lang="en-US"/>
           </a:p>
@@ -1236,7 +1241,7 @@
           <a:p>
             <a:fld id="{FA11F7C2-98F1-42A2-91AA-64EC788B80A9}" type="datetimeFigureOut">
               <a:rPr lang="en-US" smtClean="0"/>
-              <a:t>1/23/2017</a:t>
+              <a:t>1/28/2017</a:t>
             </a:fld>
             <a:endParaRPr lang="en-US"/>
           </a:p>
@@ -1603,7 +1608,7 @@
           <a:p>
             <a:fld id="{FA11F7C2-98F1-42A2-91AA-64EC788B80A9}" type="datetimeFigureOut">
               <a:rPr lang="en-US" smtClean="0"/>
-              <a:t>1/23/2017</a:t>
+              <a:t>1/28/2017</a:t>
             </a:fld>
             <a:endParaRPr lang="en-US"/>
           </a:p>
@@ -1721,7 +1726,7 @@
           <a:p>
             <a:fld id="{FA11F7C2-98F1-42A2-91AA-64EC788B80A9}" type="datetimeFigureOut">
               <a:rPr lang="en-US" smtClean="0"/>
-              <a:t>1/23/2017</a:t>
+              <a:t>1/28/2017</a:t>
             </a:fld>
             <a:endParaRPr lang="en-US"/>
           </a:p>
@@ -1816,7 +1821,7 @@
           <a:p>
             <a:fld id="{FA11F7C2-98F1-42A2-91AA-64EC788B80A9}" type="datetimeFigureOut">
               <a:rPr lang="en-US" smtClean="0"/>
-              <a:t>1/23/2017</a:t>
+              <a:t>1/28/2017</a:t>
             </a:fld>
             <a:endParaRPr lang="en-US"/>
           </a:p>
@@ -2093,7 +2098,7 @@
           <a:p>
             <a:fld id="{FA11F7C2-98F1-42A2-91AA-64EC788B80A9}" type="datetimeFigureOut">
               <a:rPr lang="en-US" smtClean="0"/>
-              <a:t>1/23/2017</a:t>
+              <a:t>1/28/2017</a:t>
             </a:fld>
             <a:endParaRPr lang="en-US"/>
           </a:p>
@@ -2346,7 +2351,7 @@
           <a:p>
             <a:fld id="{FA11F7C2-98F1-42A2-91AA-64EC788B80A9}" type="datetimeFigureOut">
               <a:rPr lang="en-US" smtClean="0"/>
-              <a:t>1/23/2017</a:t>
+              <a:t>1/28/2017</a:t>
             </a:fld>
             <a:endParaRPr lang="en-US"/>
           </a:p>
@@ -2559,7 +2564,7 @@
           <a:p>
             <a:fld id="{FA11F7C2-98F1-42A2-91AA-64EC788B80A9}" type="datetimeFigureOut">
               <a:rPr lang="en-US" smtClean="0"/>
-              <a:t>1/23/2017</a:t>
+              <a:t>1/28/2017</a:t>
             </a:fld>
             <a:endParaRPr lang="en-US"/>
           </a:p>
@@ -3232,11 +3237,19 @@
                   <a:srgbClr val="FF0000"/>
                 </a:solidFill>
               </a:rPr>
-              <a:t>“calling:34” </a:t>
+              <a:t>“waiting:34</a:t>
+            </a:r>
+            <a:r>
+              <a:rPr lang="en-US" dirty="0" smtClean="0">
+                <a:solidFill>
+                  <a:srgbClr val="FF0000"/>
+                </a:solidFill>
+              </a:rPr>
+              <a:t>” </a:t>
             </a:r>
             <a:r>
               <a:rPr lang="en-US" dirty="0" smtClean="0"/>
-              <a:t>calling 34</a:t>
+              <a:t>waiting 34 to answer</a:t>
             </a:r>
             <a:endParaRPr lang="en-US" dirty="0"/>
           </a:p>
@@ -3284,7 +3297,7 @@
         <p:spPr>
           <a:xfrm>
             <a:off x="6598355" y="3113291"/>
-            <a:ext cx="3364191" cy="369332"/>
+            <a:ext cx="4901150" cy="369332"/>
           </a:xfrm>
           <a:prstGeom prst="rect">
             <a:avLst/>
@@ -3303,11 +3316,23 @@
                   <a:srgbClr val="FF0000"/>
                 </a:solidFill>
               </a:rPr>
-              <a:t>“call_from:12” </a:t>
+              <a:t>“</a:t>
+            </a:r>
+            <a:r>
+              <a:rPr lang="en-US" dirty="0" smtClean="0">
+                <a:solidFill>
+                  <a:srgbClr val="FF0000"/>
+                </a:solidFill>
+              </a:rPr>
+              <a:t>call_from:12:777” </a:t>
             </a:r>
             <a:r>
               <a:rPr lang="en-US" dirty="0" smtClean="0"/>
-              <a:t>have a call from 12</a:t>
+              <a:t>have a call from </a:t>
+            </a:r>
+            <a:r>
+              <a:rPr lang="en-US" dirty="0" smtClean="0"/>
+              <a:t>12 call id:777</a:t>
             </a:r>
             <a:endParaRPr lang="en-US" dirty="0"/>
           </a:p>
@@ -3384,7 +3409,7 @@
         </p:nvSpPr>
         <p:spPr>
           <a:xfrm>
-            <a:off x="6508044" y="3929293"/>
+            <a:off x="6508044" y="5623385"/>
             <a:ext cx="4459554" cy="369332"/>
           </a:xfrm>
           <a:prstGeom prst="rect">
@@ -3404,51 +3429,256 @@
                   <a:srgbClr val="FF0000"/>
                 </a:solidFill>
               </a:rPr>
-              <a:t>“accept:34:12” </a:t>
-            </a:r>
-            <a:r>
-              <a:rPr lang="en-US" dirty="0" smtClean="0"/>
-              <a:t>accept call from 12 by 34</a:t>
-            </a:r>
-            <a:endParaRPr lang="en-US" dirty="0"/>
-          </a:p>
-        </p:txBody>
-      </p:sp>
-      <p:sp>
-        <p:nvSpPr>
-          <p:cNvPr id="21" name="TextBox 20"/>
-          <p:cNvSpPr txBox="1"/>
-          <p:nvPr/>
-        </p:nvSpPr>
-        <p:spPr>
-          <a:xfrm>
-            <a:off x="6508044" y="4271160"/>
-            <a:ext cx="4459554" cy="369332"/>
-          </a:xfrm>
-          <a:prstGeom prst="rect">
-            <a:avLst/>
-          </a:prstGeom>
-          <a:noFill/>
-        </p:spPr>
-        <p:txBody>
-          <a:bodyPr wrap="square" rtlCol="0">
-            <a:spAutoFit/>
-          </a:bodyPr>
-          <a:lstStyle/>
-          <a:p>
+              <a:t>“</a:t>
+            </a:r>
             <a:r>
               <a:rPr lang="en-US" dirty="0" smtClean="0">
                 <a:solidFill>
                   <a:srgbClr val="FF0000"/>
                 </a:solidFill>
               </a:rPr>
-              <a:t>“reject:34:12” </a:t>
+              <a:t>accept:34:777” </a:t>
             </a:r>
             <a:r>
               <a:rPr lang="en-US" dirty="0" smtClean="0"/>
-              <a:t>reject call from 12 by 34</a:t>
+              <a:t>accept call </a:t>
+            </a:r>
+            <a:r>
+              <a:rPr lang="en-US" dirty="0" smtClean="0"/>
+              <a:t>id 777</a:t>
+            </a:r>
+            <a:r>
+              <a:rPr lang="en-US" dirty="0" smtClean="0"/>
+              <a:t> </a:t>
+            </a:r>
+            <a:r>
+              <a:rPr lang="en-US" dirty="0" smtClean="0"/>
+              <a:t>by 34</a:t>
             </a:r>
             <a:endParaRPr lang="en-US" dirty="0"/>
+          </a:p>
+        </p:txBody>
+      </p:sp>
+      <p:sp>
+        <p:nvSpPr>
+          <p:cNvPr id="21" name="TextBox 20"/>
+          <p:cNvSpPr txBox="1"/>
+          <p:nvPr/>
+        </p:nvSpPr>
+        <p:spPr>
+          <a:xfrm>
+            <a:off x="6508044" y="4271160"/>
+            <a:ext cx="4459554" cy="369332"/>
+          </a:xfrm>
+          <a:prstGeom prst="rect">
+            <a:avLst/>
+          </a:prstGeom>
+          <a:noFill/>
+        </p:spPr>
+        <p:txBody>
+          <a:bodyPr wrap="square" rtlCol="0">
+            <a:spAutoFit/>
+          </a:bodyPr>
+          <a:lstStyle/>
+          <a:p>
+            <a:r>
+              <a:rPr lang="en-US" dirty="0" smtClean="0">
+                <a:solidFill>
+                  <a:srgbClr val="FF0000"/>
+                </a:solidFill>
+              </a:rPr>
+              <a:t>“</a:t>
+            </a:r>
+            <a:r>
+              <a:rPr lang="en-US" dirty="0" smtClean="0">
+                <a:solidFill>
+                  <a:srgbClr val="FF0000"/>
+                </a:solidFill>
+              </a:rPr>
+              <a:t>reject:34:777” </a:t>
+            </a:r>
+            <a:r>
+              <a:rPr lang="en-US" dirty="0" smtClean="0"/>
+              <a:t>reject call </a:t>
+            </a:r>
+            <a:r>
+              <a:rPr lang="en-US" dirty="0" smtClean="0"/>
+              <a:t>id 777 </a:t>
+            </a:r>
+            <a:r>
+              <a:rPr lang="en-US" dirty="0" smtClean="0"/>
+              <a:t>by </a:t>
+            </a:r>
+            <a:r>
+              <a:rPr lang="en-US" dirty="0" smtClean="0"/>
+              <a:t>34</a:t>
+            </a:r>
+            <a:endParaRPr lang="en-US" dirty="0"/>
+          </a:p>
+        </p:txBody>
+      </p:sp>
+      <p:cxnSp>
+        <p:nvCxnSpPr>
+          <p:cNvPr id="20" name="Straight Arrow Connector 19"/>
+          <p:cNvCxnSpPr/>
+          <p:nvPr/>
+        </p:nvCxnSpPr>
+        <p:spPr>
+          <a:xfrm flipV="1">
+            <a:off x="6508044" y="4741335"/>
+            <a:ext cx="3465689" cy="11289"/>
+          </a:xfrm>
+          <a:prstGeom prst="straightConnector1">
+            <a:avLst/>
+          </a:prstGeom>
+          <a:ln>
+            <a:tailEnd type="triangle"/>
+          </a:ln>
+        </p:spPr>
+        <p:style>
+          <a:lnRef idx="1">
+            <a:schemeClr val="accent1"/>
+          </a:lnRef>
+          <a:fillRef idx="0">
+            <a:schemeClr val="accent1"/>
+          </a:fillRef>
+          <a:effectRef idx="0">
+            <a:schemeClr val="accent1"/>
+          </a:effectRef>
+          <a:fontRef idx="minor">
+            <a:schemeClr val="tx1"/>
+          </a:fontRef>
+        </p:style>
+      </p:cxnSp>
+      <p:sp>
+        <p:nvSpPr>
+          <p:cNvPr id="22" name="TextBox 21"/>
+          <p:cNvSpPr txBox="1"/>
+          <p:nvPr/>
+        </p:nvSpPr>
+        <p:spPr>
+          <a:xfrm>
+            <a:off x="6508044" y="4834848"/>
+            <a:ext cx="4147610" cy="369332"/>
+          </a:xfrm>
+          <a:prstGeom prst="rect">
+            <a:avLst/>
+          </a:prstGeom>
+          <a:noFill/>
+        </p:spPr>
+        <p:txBody>
+          <a:bodyPr wrap="none" rtlCol="0">
+            <a:spAutoFit/>
+          </a:bodyPr>
+          <a:lstStyle/>
+          <a:p>
+            <a:r>
+              <a:rPr lang="en-US" dirty="0" smtClean="0">
+                <a:solidFill>
+                  <a:srgbClr val="FF0000"/>
+                </a:solidFill>
+              </a:rPr>
+              <a:t>“cancel:777” </a:t>
+            </a:r>
+            <a:r>
+              <a:rPr lang="en-US" dirty="0" smtClean="0"/>
+              <a:t>accept the reject from server</a:t>
+            </a:r>
+            <a:endParaRPr lang="en-US" dirty="0"/>
+          </a:p>
+        </p:txBody>
+      </p:sp>
+      <p:sp>
+        <p:nvSpPr>
+          <p:cNvPr id="2" name="Oval 1"/>
+          <p:cNvSpPr/>
+          <p:nvPr/>
+        </p:nvSpPr>
+        <p:spPr>
+          <a:xfrm>
+            <a:off x="5712179" y="4455826"/>
+            <a:ext cx="530577" cy="530577"/>
+          </a:xfrm>
+          <a:prstGeom prst="ellipse">
+            <a:avLst/>
+          </a:prstGeom>
+          <a:solidFill>
+            <a:srgbClr val="FF0000"/>
+          </a:solidFill>
+        </p:spPr>
+        <p:style>
+          <a:lnRef idx="2">
+            <a:schemeClr val="accent1">
+              <a:shade val="50000"/>
+            </a:schemeClr>
+          </a:lnRef>
+          <a:fillRef idx="1">
+            <a:schemeClr val="accent1"/>
+          </a:fillRef>
+          <a:effectRef idx="0">
+            <a:schemeClr val="accent1"/>
+          </a:effectRef>
+          <a:fontRef idx="minor">
+            <a:schemeClr val="lt1"/>
+          </a:fontRef>
+        </p:style>
+        <p:txBody>
+          <a:bodyPr rtlCol="0" anchor="ctr"/>
+          <a:lstStyle/>
+          <a:p>
+            <a:pPr algn="ctr"/>
+            <a:r>
+              <a:rPr lang="en-US" sz="2400" dirty="0" smtClean="0"/>
+              <a:t>1</a:t>
+            </a:r>
+            <a:endParaRPr lang="en-US" sz="2400" dirty="0"/>
+          </a:p>
+        </p:txBody>
+      </p:sp>
+      <p:sp>
+        <p:nvSpPr>
+          <p:cNvPr id="23" name="Oval 22"/>
+          <p:cNvSpPr/>
+          <p:nvPr/>
+        </p:nvSpPr>
+        <p:spPr>
+          <a:xfrm>
+            <a:off x="5712178" y="5542762"/>
+            <a:ext cx="530577" cy="530577"/>
+          </a:xfrm>
+          <a:prstGeom prst="ellipse">
+            <a:avLst/>
+          </a:prstGeom>
+          <a:solidFill>
+            <a:schemeClr val="accent6"/>
+          </a:solidFill>
+        </p:spPr>
+        <p:style>
+          <a:lnRef idx="2">
+            <a:schemeClr val="accent1">
+              <a:shade val="50000"/>
+            </a:schemeClr>
+          </a:lnRef>
+          <a:fillRef idx="1">
+            <a:schemeClr val="accent1"/>
+          </a:fillRef>
+          <a:effectRef idx="0">
+            <a:schemeClr val="accent1"/>
+          </a:effectRef>
+          <a:fontRef idx="minor">
+            <a:schemeClr val="lt1"/>
+          </a:fontRef>
+        </p:style>
+        <p:txBody>
+          <a:bodyPr rtlCol="0" anchor="ctr"/>
+          <a:lstStyle/>
+          <a:p>
+            <a:pPr algn="ctr"/>
+            <a:r>
+              <a:rPr lang="en-US" sz="2400" dirty="0"/>
+              <a:t>2</a:t>
+            </a:r>
+            <a:endParaRPr lang="en-US" sz="2400" dirty="0"/>
           </a:p>
         </p:txBody>
       </p:sp>

--- a/server/doc/por_audio_call_protocol.pptx
+++ b/server/doc/por_audio_call_protocol.pptx
@@ -5,7 +5,8 @@
     <p:sldMasterId id="2147483648" r:id="rId1"/>
   </p:sldMasterIdLst>
   <p:sldIdLst>
-    <p:sldId id="256" r:id="rId2"/>
+    <p:sldId id="257" r:id="rId2"/>
+    <p:sldId id="256" r:id="rId3"/>
   </p:sldIdLst>
   <p:sldSz cx="12192000" cy="6858000"/>
   <p:notesSz cx="6858000" cy="9144000"/>
@@ -243,7 +244,7 @@
           <a:p>
             <a:fld id="{FA11F7C2-98F1-42A2-91AA-64EC788B80A9}" type="datetimeFigureOut">
               <a:rPr lang="en-US" smtClean="0"/>
-              <a:t>1/28/2017</a:t>
+              <a:t>1/30/2017</a:t>
             </a:fld>
             <a:endParaRPr lang="en-US"/>
           </a:p>
@@ -413,7 +414,7 @@
           <a:p>
             <a:fld id="{FA11F7C2-98F1-42A2-91AA-64EC788B80A9}" type="datetimeFigureOut">
               <a:rPr lang="en-US" smtClean="0"/>
-              <a:t>1/28/2017</a:t>
+              <a:t>1/30/2017</a:t>
             </a:fld>
             <a:endParaRPr lang="en-US"/>
           </a:p>
@@ -593,7 +594,7 @@
           <a:p>
             <a:fld id="{FA11F7C2-98F1-42A2-91AA-64EC788B80A9}" type="datetimeFigureOut">
               <a:rPr lang="en-US" smtClean="0"/>
-              <a:t>1/28/2017</a:t>
+              <a:t>1/30/2017</a:t>
             </a:fld>
             <a:endParaRPr lang="en-US"/>
           </a:p>
@@ -763,7 +764,7 @@
           <a:p>
             <a:fld id="{FA11F7C2-98F1-42A2-91AA-64EC788B80A9}" type="datetimeFigureOut">
               <a:rPr lang="en-US" smtClean="0"/>
-              <a:t>1/28/2017</a:t>
+              <a:t>1/30/2017</a:t>
             </a:fld>
             <a:endParaRPr lang="en-US"/>
           </a:p>
@@ -1009,7 +1010,7 @@
           <a:p>
             <a:fld id="{FA11F7C2-98F1-42A2-91AA-64EC788B80A9}" type="datetimeFigureOut">
               <a:rPr lang="en-US" smtClean="0"/>
-              <a:t>1/28/2017</a:t>
+              <a:t>1/30/2017</a:t>
             </a:fld>
             <a:endParaRPr lang="en-US"/>
           </a:p>
@@ -1241,7 +1242,7 @@
           <a:p>
             <a:fld id="{FA11F7C2-98F1-42A2-91AA-64EC788B80A9}" type="datetimeFigureOut">
               <a:rPr lang="en-US" smtClean="0"/>
-              <a:t>1/28/2017</a:t>
+              <a:t>1/30/2017</a:t>
             </a:fld>
             <a:endParaRPr lang="en-US"/>
           </a:p>
@@ -1608,7 +1609,7 @@
           <a:p>
             <a:fld id="{FA11F7C2-98F1-42A2-91AA-64EC788B80A9}" type="datetimeFigureOut">
               <a:rPr lang="en-US" smtClean="0"/>
-              <a:t>1/28/2017</a:t>
+              <a:t>1/30/2017</a:t>
             </a:fld>
             <a:endParaRPr lang="en-US"/>
           </a:p>
@@ -1726,7 +1727,7 @@
           <a:p>
             <a:fld id="{FA11F7C2-98F1-42A2-91AA-64EC788B80A9}" type="datetimeFigureOut">
               <a:rPr lang="en-US" smtClean="0"/>
-              <a:t>1/28/2017</a:t>
+              <a:t>1/30/2017</a:t>
             </a:fld>
             <a:endParaRPr lang="en-US"/>
           </a:p>
@@ -1821,7 +1822,7 @@
           <a:p>
             <a:fld id="{FA11F7C2-98F1-42A2-91AA-64EC788B80A9}" type="datetimeFigureOut">
               <a:rPr lang="en-US" smtClean="0"/>
-              <a:t>1/28/2017</a:t>
+              <a:t>1/30/2017</a:t>
             </a:fld>
             <a:endParaRPr lang="en-US"/>
           </a:p>
@@ -2098,7 +2099,7 @@
           <a:p>
             <a:fld id="{FA11F7C2-98F1-42A2-91AA-64EC788B80A9}" type="datetimeFigureOut">
               <a:rPr lang="en-US" smtClean="0"/>
-              <a:t>1/28/2017</a:t>
+              <a:t>1/30/2017</a:t>
             </a:fld>
             <a:endParaRPr lang="en-US"/>
           </a:p>
@@ -2351,7 +2352,7 @@
           <a:p>
             <a:fld id="{FA11F7C2-98F1-42A2-91AA-64EC788B80A9}" type="datetimeFigureOut">
               <a:rPr lang="en-US" smtClean="0"/>
-              <a:t>1/28/2017</a:t>
+              <a:t>1/30/2017</a:t>
             </a:fld>
             <a:endParaRPr lang="en-US"/>
           </a:p>
@@ -2564,7 +2565,7 @@
           <a:p>
             <a:fld id="{FA11F7C2-98F1-42A2-91AA-64EC788B80A9}" type="datetimeFigureOut">
               <a:rPr lang="en-US" smtClean="0"/>
-              <a:t>1/28/2017</a:t>
+              <a:t>1/30/2017</a:t>
             </a:fld>
             <a:endParaRPr lang="en-US"/>
           </a:p>
@@ -3237,15 +3238,7 @@
                   <a:srgbClr val="FF0000"/>
                 </a:solidFill>
               </a:rPr>
-              <a:t>“waiting:34</a:t>
-            </a:r>
-            <a:r>
-              <a:rPr lang="en-US" dirty="0" smtClean="0">
-                <a:solidFill>
-                  <a:srgbClr val="FF0000"/>
-                </a:solidFill>
-              </a:rPr>
-              <a:t>” </a:t>
+              <a:t>“waiting:34” </a:t>
             </a:r>
             <a:r>
               <a:rPr lang="en-US" dirty="0" smtClean="0"/>
@@ -3316,23 +3309,11 @@
                   <a:srgbClr val="FF0000"/>
                 </a:solidFill>
               </a:rPr>
-              <a:t>“</a:t>
-            </a:r>
-            <a:r>
-              <a:rPr lang="en-US" dirty="0" smtClean="0">
-                <a:solidFill>
-                  <a:srgbClr val="FF0000"/>
-                </a:solidFill>
-              </a:rPr>
-              <a:t>call_from:12:777” </a:t>
+              <a:t>“call_from:12:777” </a:t>
             </a:r>
             <a:r>
               <a:rPr lang="en-US" dirty="0" smtClean="0"/>
-              <a:t>have a call from </a:t>
-            </a:r>
-            <a:r>
-              <a:rPr lang="en-US" dirty="0" smtClean="0"/>
-              <a:t>12 call id:777</a:t>
+              <a:t>have a call from 12 call id:777</a:t>
             </a:r>
             <a:endParaRPr lang="en-US" dirty="0"/>
           </a:p>
@@ -3376,7 +3357,7 @@
         </p:nvCxnSpPr>
         <p:spPr>
           <a:xfrm flipH="1">
-            <a:off x="6587066" y="3719688"/>
+            <a:off x="6598354" y="3936909"/>
             <a:ext cx="3465690" cy="22578"/>
           </a:xfrm>
           <a:prstGeom prst="straightConnector1">
@@ -3403,13 +3384,13 @@
       </p:cxnSp>
       <p:sp>
         <p:nvSpPr>
-          <p:cNvPr id="19" name="TextBox 18"/>
+          <p:cNvPr id="21" name="TextBox 20"/>
           <p:cNvSpPr txBox="1"/>
           <p:nvPr/>
         </p:nvSpPr>
         <p:spPr>
           <a:xfrm>
-            <a:off x="6508044" y="5623385"/>
+            <a:off x="6508044" y="4171390"/>
             <a:ext cx="4459554" cy="369332"/>
           </a:xfrm>
           <a:prstGeom prst="rect">
@@ -3429,89 +3410,11 @@
                   <a:srgbClr val="FF0000"/>
                 </a:solidFill>
               </a:rPr>
-              <a:t>“</a:t>
-            </a:r>
-            <a:r>
-              <a:rPr lang="en-US" dirty="0" smtClean="0">
-                <a:solidFill>
-                  <a:srgbClr val="FF0000"/>
-                </a:solidFill>
-              </a:rPr>
-              <a:t>accept:34:777” </a:t>
+              <a:t>“reject:34:777” </a:t>
             </a:r>
             <a:r>
               <a:rPr lang="en-US" dirty="0" smtClean="0"/>
-              <a:t>accept call </a:t>
-            </a:r>
-            <a:r>
-              <a:rPr lang="en-US" dirty="0" smtClean="0"/>
-              <a:t>id 777</a:t>
-            </a:r>
-            <a:r>
-              <a:rPr lang="en-US" dirty="0" smtClean="0"/>
-              <a:t> </a:t>
-            </a:r>
-            <a:r>
-              <a:rPr lang="en-US" dirty="0" smtClean="0"/>
-              <a:t>by 34</a:t>
-            </a:r>
-            <a:endParaRPr lang="en-US" dirty="0"/>
-          </a:p>
-        </p:txBody>
-      </p:sp>
-      <p:sp>
-        <p:nvSpPr>
-          <p:cNvPr id="21" name="TextBox 20"/>
-          <p:cNvSpPr txBox="1"/>
-          <p:nvPr/>
-        </p:nvSpPr>
-        <p:spPr>
-          <a:xfrm>
-            <a:off x="6508044" y="4271160"/>
-            <a:ext cx="4459554" cy="369332"/>
-          </a:xfrm>
-          <a:prstGeom prst="rect">
-            <a:avLst/>
-          </a:prstGeom>
-          <a:noFill/>
-        </p:spPr>
-        <p:txBody>
-          <a:bodyPr wrap="square" rtlCol="0">
-            <a:spAutoFit/>
-          </a:bodyPr>
-          <a:lstStyle/>
-          <a:p>
-            <a:r>
-              <a:rPr lang="en-US" dirty="0" smtClean="0">
-                <a:solidFill>
-                  <a:srgbClr val="FF0000"/>
-                </a:solidFill>
-              </a:rPr>
-              <a:t>“</a:t>
-            </a:r>
-            <a:r>
-              <a:rPr lang="en-US" dirty="0" smtClean="0">
-                <a:solidFill>
-                  <a:srgbClr val="FF0000"/>
-                </a:solidFill>
-              </a:rPr>
-              <a:t>reject:34:777” </a:t>
-            </a:r>
-            <a:r>
-              <a:rPr lang="en-US" dirty="0" smtClean="0"/>
-              <a:t>reject call </a:t>
-            </a:r>
-            <a:r>
-              <a:rPr lang="en-US" dirty="0" smtClean="0"/>
-              <a:t>id 777 </a:t>
-            </a:r>
-            <a:r>
-              <a:rPr lang="en-US" dirty="0" smtClean="0"/>
-              <a:t>by </a:t>
-            </a:r>
-            <a:r>
-              <a:rPr lang="en-US" dirty="0" smtClean="0"/>
-              <a:t>34</a:t>
+              <a:t>reject call id 777 by 34</a:t>
             </a:r>
             <a:endParaRPr lang="en-US" dirty="0"/>
           </a:p>
@@ -3525,7 +3428,7 @@
         </p:nvCxnSpPr>
         <p:spPr>
           <a:xfrm flipV="1">
-            <a:off x="6508044" y="4741335"/>
+            <a:off x="6508044" y="4890266"/>
             <a:ext cx="3465689" cy="11289"/>
           </a:xfrm>
           <a:prstGeom prst="straightConnector1">
@@ -3558,7 +3461,7 @@
         </p:nvSpPr>
         <p:spPr>
           <a:xfrm>
-            <a:off x="6508044" y="4834848"/>
+            <a:off x="6508044" y="5037965"/>
             <a:ext cx="4147610" cy="369332"/>
           </a:xfrm>
           <a:prstGeom prst="rect">
@@ -3596,7 +3499,7 @@
         </p:nvSpPr>
         <p:spPr>
           <a:xfrm>
-            <a:off x="5712179" y="4455826"/>
+            <a:off x="5712179" y="4929960"/>
             <a:ext cx="530577" cy="530577"/>
           </a:xfrm>
           <a:prstGeom prst="ellipse">
@@ -3635,23 +3538,165 @@
           </a:p>
         </p:txBody>
       </p:sp>
-      <p:sp>
-        <p:nvSpPr>
-          <p:cNvPr id="23" name="Oval 22"/>
+      <p:cxnSp>
+        <p:nvCxnSpPr>
+          <p:cNvPr id="24" name="Straight Arrow Connector 23"/>
+          <p:cNvCxnSpPr/>
+          <p:nvPr/>
+        </p:nvCxnSpPr>
+        <p:spPr>
+          <a:xfrm flipH="1">
+            <a:off x="1994868" y="5630716"/>
+            <a:ext cx="3465690" cy="22578"/>
+          </a:xfrm>
+          <a:prstGeom prst="straightConnector1">
+            <a:avLst/>
+          </a:prstGeom>
+          <a:ln>
+            <a:tailEnd type="triangle"/>
+          </a:ln>
+        </p:spPr>
+        <p:style>
+          <a:lnRef idx="1">
+            <a:schemeClr val="accent1"/>
+          </a:lnRef>
+          <a:fillRef idx="0">
+            <a:schemeClr val="accent1"/>
+          </a:fillRef>
+          <a:effectRef idx="0">
+            <a:schemeClr val="accent1"/>
+          </a:effectRef>
+          <a:fontRef idx="minor">
+            <a:schemeClr val="tx1"/>
+          </a:fontRef>
+        </p:style>
+      </p:cxnSp>
+      <p:sp>
+        <p:nvSpPr>
+          <p:cNvPr id="25" name="TextBox 24"/>
+          <p:cNvSpPr txBox="1"/>
+          <p:nvPr/>
+        </p:nvSpPr>
+        <p:spPr>
+          <a:xfrm>
+            <a:off x="1915846" y="5840321"/>
+            <a:ext cx="4459554" cy="369332"/>
+          </a:xfrm>
+          <a:prstGeom prst="rect">
+            <a:avLst/>
+          </a:prstGeom>
+          <a:noFill/>
+        </p:spPr>
+        <p:txBody>
+          <a:bodyPr wrap="square" rtlCol="0">
+            <a:spAutoFit/>
+          </a:bodyPr>
+          <a:lstStyle/>
+          <a:p>
+            <a:r>
+              <a:rPr lang="en-US" dirty="0" smtClean="0">
+                <a:solidFill>
+                  <a:srgbClr val="FF0000"/>
+                </a:solidFill>
+              </a:rPr>
+              <a:t>“reject:34” </a:t>
+            </a:r>
+            <a:r>
+              <a:rPr lang="en-US" dirty="0" smtClean="0"/>
+              <a:t>reject by 34</a:t>
+            </a:r>
+            <a:endParaRPr lang="en-US" dirty="0"/>
+          </a:p>
+        </p:txBody>
+      </p:sp>
+    </p:spTree>
+    <p:extLst>
+      <p:ext uri="{BB962C8B-B14F-4D97-AF65-F5344CB8AC3E}">
+        <p14:creationId xmlns:p14="http://schemas.microsoft.com/office/powerpoint/2010/main" val="644856378"/>
+      </p:ext>
+    </p:extLst>
+  </p:cSld>
+  <p:clrMapOvr>
+    <a:masterClrMapping/>
+  </p:clrMapOvr>
+</p:sld>
+</file>
+
+<file path=ppt/slides/slide2.xml><?xml version="1.0" encoding="utf-8"?>
+<p:sld xmlns:a="http://schemas.openxmlformats.org/drawingml/2006/main" xmlns:r="http://schemas.openxmlformats.org/officeDocument/2006/relationships" xmlns:p="http://schemas.openxmlformats.org/presentationml/2006/main">
+  <p:cSld>
+    <p:spTree>
+      <p:nvGrpSpPr>
+        <p:cNvPr id="1" name=""/>
+        <p:cNvGrpSpPr/>
+        <p:nvPr/>
+      </p:nvGrpSpPr>
+      <p:grpSpPr>
+        <a:xfrm>
+          <a:off x="0" y="0"/>
+          <a:ext cx="0" cy="0"/>
+          <a:chOff x="0" y="0"/>
+          <a:chExt cx="0" cy="0"/>
+        </a:xfrm>
+      </p:grpSpPr>
+      <p:sp>
+        <p:nvSpPr>
+          <p:cNvPr id="4" name="Rectangle 3"/>
           <p:cNvSpPr/>
           <p:nvPr/>
         </p:nvSpPr>
         <p:spPr>
           <a:xfrm>
-            <a:off x="5712178" y="5542762"/>
-            <a:ext cx="530577" cy="530577"/>
-          </a:xfrm>
-          <a:prstGeom prst="ellipse">
+            <a:off x="891822" y="688622"/>
+            <a:ext cx="2144889" cy="620889"/>
+          </a:xfrm>
+          <a:prstGeom prst="rect">
             <a:avLst/>
           </a:prstGeom>
-          <a:solidFill>
-            <a:schemeClr val="accent6"/>
-          </a:solidFill>
+        </p:spPr>
+        <p:style>
+          <a:lnRef idx="2">
+            <a:schemeClr val="accent2">
+              <a:shade val="50000"/>
+            </a:schemeClr>
+          </a:lnRef>
+          <a:fillRef idx="1">
+            <a:schemeClr val="accent2"/>
+          </a:fillRef>
+          <a:effectRef idx="0">
+            <a:schemeClr val="accent2"/>
+          </a:effectRef>
+          <a:fontRef idx="minor">
+            <a:schemeClr val="lt1"/>
+          </a:fontRef>
+        </p:style>
+        <p:txBody>
+          <a:bodyPr rtlCol="0" anchor="ctr"/>
+          <a:lstStyle/>
+          <a:p>
+            <a:pPr algn="ctr"/>
+            <a:r>
+              <a:rPr lang="en-US" dirty="0" smtClean="0"/>
+              <a:t>Client1 (12)</a:t>
+            </a:r>
+            <a:endParaRPr lang="en-US" dirty="0"/>
+          </a:p>
+        </p:txBody>
+      </p:sp>
+      <p:sp>
+        <p:nvSpPr>
+          <p:cNvPr id="5" name="Rectangle 4"/>
+          <p:cNvSpPr/>
+          <p:nvPr/>
+        </p:nvSpPr>
+        <p:spPr>
+          <a:xfrm>
+            <a:off x="4995334" y="688621"/>
+            <a:ext cx="2144889" cy="620889"/>
+          </a:xfrm>
+          <a:prstGeom prst="rect">
+            <a:avLst/>
+          </a:prstGeom>
         </p:spPr>
         <p:style>
           <a:lnRef idx="2">
@@ -3675,13 +3720,595 @@
           <a:p>
             <a:pPr algn="ctr"/>
             <a:r>
+              <a:rPr lang="en-US" dirty="0"/>
+              <a:t>S</a:t>
+            </a:r>
+            <a:r>
+              <a:rPr lang="en-US" dirty="0" smtClean="0"/>
+              <a:t>erver</a:t>
+            </a:r>
+            <a:endParaRPr lang="en-US" dirty="0"/>
+          </a:p>
+        </p:txBody>
+      </p:sp>
+      <p:sp>
+        <p:nvSpPr>
+          <p:cNvPr id="6" name="Rectangle 5"/>
+          <p:cNvSpPr/>
+          <p:nvPr/>
+        </p:nvSpPr>
+        <p:spPr>
+          <a:xfrm>
+            <a:off x="9330266" y="688621"/>
+            <a:ext cx="2144889" cy="620889"/>
+          </a:xfrm>
+          <a:prstGeom prst="rect">
+            <a:avLst/>
+          </a:prstGeom>
+        </p:spPr>
+        <p:style>
+          <a:lnRef idx="2">
+            <a:schemeClr val="accent2">
+              <a:shade val="50000"/>
+            </a:schemeClr>
+          </a:lnRef>
+          <a:fillRef idx="1">
+            <a:schemeClr val="accent2"/>
+          </a:fillRef>
+          <a:effectRef idx="0">
+            <a:schemeClr val="accent2"/>
+          </a:effectRef>
+          <a:fontRef idx="minor">
+            <a:schemeClr val="lt1"/>
+          </a:fontRef>
+        </p:style>
+        <p:txBody>
+          <a:bodyPr rtlCol="0" anchor="ctr"/>
+          <a:lstStyle/>
+          <a:p>
+            <a:pPr algn="ctr"/>
+            <a:r>
+              <a:rPr lang="en-US" dirty="0" smtClean="0"/>
+              <a:t>Client2 (34)</a:t>
+            </a:r>
+            <a:endParaRPr lang="en-US" dirty="0"/>
+          </a:p>
+        </p:txBody>
+      </p:sp>
+      <p:cxnSp>
+        <p:nvCxnSpPr>
+          <p:cNvPr id="8" name="Straight Arrow Connector 7"/>
+          <p:cNvCxnSpPr/>
+          <p:nvPr/>
+        </p:nvCxnSpPr>
+        <p:spPr>
+          <a:xfrm flipV="1">
+            <a:off x="2043288" y="1749778"/>
+            <a:ext cx="3465689" cy="11289"/>
+          </a:xfrm>
+          <a:prstGeom prst="straightConnector1">
+            <a:avLst/>
+          </a:prstGeom>
+          <a:ln>
+            <a:tailEnd type="triangle"/>
+          </a:ln>
+        </p:spPr>
+        <p:style>
+          <a:lnRef idx="1">
+            <a:schemeClr val="accent1"/>
+          </a:lnRef>
+          <a:fillRef idx="0">
+            <a:schemeClr val="accent1"/>
+          </a:fillRef>
+          <a:effectRef idx="0">
+            <a:schemeClr val="accent1"/>
+          </a:effectRef>
+          <a:fontRef idx="minor">
+            <a:schemeClr val="tx1"/>
+          </a:fontRef>
+        </p:style>
+      </p:cxnSp>
+      <p:sp>
+        <p:nvSpPr>
+          <p:cNvPr id="9" name="TextBox 8"/>
+          <p:cNvSpPr txBox="1"/>
+          <p:nvPr/>
+        </p:nvSpPr>
+        <p:spPr>
+          <a:xfrm>
+            <a:off x="1783421" y="1863847"/>
+            <a:ext cx="3824765" cy="369332"/>
+          </a:xfrm>
+          <a:prstGeom prst="rect">
+            <a:avLst/>
+          </a:prstGeom>
+          <a:noFill/>
+        </p:spPr>
+        <p:txBody>
+          <a:bodyPr wrap="none" rtlCol="0">
+            <a:spAutoFit/>
+          </a:bodyPr>
+          <a:lstStyle/>
+          <a:p>
+            <a:r>
+              <a:rPr lang="en-US" dirty="0" smtClean="0">
+                <a:solidFill>
+                  <a:srgbClr val="FF0000"/>
+                </a:solidFill>
+              </a:rPr>
+              <a:t>“request_call:12:34” </a:t>
+            </a:r>
+            <a:r>
+              <a:rPr lang="en-US" dirty="0" smtClean="0"/>
+              <a:t>12 want to call 34</a:t>
+            </a:r>
+            <a:endParaRPr lang="en-US" dirty="0"/>
+          </a:p>
+        </p:txBody>
+      </p:sp>
+      <p:cxnSp>
+        <p:nvCxnSpPr>
+          <p:cNvPr id="10" name="Straight Arrow Connector 9"/>
+          <p:cNvCxnSpPr/>
+          <p:nvPr/>
+        </p:nvCxnSpPr>
+        <p:spPr>
+          <a:xfrm flipH="1">
+            <a:off x="2043288" y="2393244"/>
+            <a:ext cx="3465690" cy="22578"/>
+          </a:xfrm>
+          <a:prstGeom prst="straightConnector1">
+            <a:avLst/>
+          </a:prstGeom>
+          <a:ln>
+            <a:tailEnd type="triangle"/>
+          </a:ln>
+        </p:spPr>
+        <p:style>
+          <a:lnRef idx="1">
+            <a:schemeClr val="accent1"/>
+          </a:lnRef>
+          <a:fillRef idx="0">
+            <a:schemeClr val="accent1"/>
+          </a:fillRef>
+          <a:effectRef idx="0">
+            <a:schemeClr val="accent1"/>
+          </a:effectRef>
+          <a:fontRef idx="minor">
+            <a:schemeClr val="tx1"/>
+          </a:fontRef>
+        </p:style>
+      </p:cxnSp>
+      <p:sp>
+        <p:nvSpPr>
+          <p:cNvPr id="11" name="TextBox 10"/>
+          <p:cNvSpPr txBox="1"/>
+          <p:nvPr/>
+        </p:nvSpPr>
+        <p:spPr>
+          <a:xfrm>
+            <a:off x="1964266" y="2602849"/>
+            <a:ext cx="4459554" cy="369332"/>
+          </a:xfrm>
+          <a:prstGeom prst="rect">
+            <a:avLst/>
+          </a:prstGeom>
+          <a:noFill/>
+        </p:spPr>
+        <p:txBody>
+          <a:bodyPr wrap="square" rtlCol="0">
+            <a:spAutoFit/>
+          </a:bodyPr>
+          <a:lstStyle/>
+          <a:p>
+            <a:r>
+              <a:rPr lang="en-US" dirty="0" smtClean="0">
+                <a:solidFill>
+                  <a:srgbClr val="FF0000"/>
+                </a:solidFill>
+              </a:rPr>
+              <a:t>“waiting:34” </a:t>
+            </a:r>
+            <a:r>
+              <a:rPr lang="en-US" dirty="0" smtClean="0"/>
+              <a:t>waiting 34 to answer</a:t>
+            </a:r>
+            <a:endParaRPr lang="en-US" dirty="0"/>
+          </a:p>
+        </p:txBody>
+      </p:sp>
+      <p:cxnSp>
+        <p:nvCxnSpPr>
+          <p:cNvPr id="15" name="Straight Arrow Connector 14"/>
+          <p:cNvCxnSpPr/>
+          <p:nvPr/>
+        </p:nvCxnSpPr>
+        <p:spPr>
+          <a:xfrm flipV="1">
+            <a:off x="6598355" y="3019778"/>
+            <a:ext cx="3465689" cy="11289"/>
+          </a:xfrm>
+          <a:prstGeom prst="straightConnector1">
+            <a:avLst/>
+          </a:prstGeom>
+          <a:ln>
+            <a:tailEnd type="triangle"/>
+          </a:ln>
+        </p:spPr>
+        <p:style>
+          <a:lnRef idx="1">
+            <a:schemeClr val="accent1"/>
+          </a:lnRef>
+          <a:fillRef idx="0">
+            <a:schemeClr val="accent1"/>
+          </a:fillRef>
+          <a:effectRef idx="0">
+            <a:schemeClr val="accent1"/>
+          </a:effectRef>
+          <a:fontRef idx="minor">
+            <a:schemeClr val="tx1"/>
+          </a:fontRef>
+        </p:style>
+      </p:cxnSp>
+      <p:sp>
+        <p:nvSpPr>
+          <p:cNvPr id="16" name="TextBox 15"/>
+          <p:cNvSpPr txBox="1"/>
+          <p:nvPr/>
+        </p:nvSpPr>
+        <p:spPr>
+          <a:xfrm>
+            <a:off x="6598355" y="3113291"/>
+            <a:ext cx="4901150" cy="369332"/>
+          </a:xfrm>
+          <a:prstGeom prst="rect">
+            <a:avLst/>
+          </a:prstGeom>
+          <a:noFill/>
+        </p:spPr>
+        <p:txBody>
+          <a:bodyPr wrap="none" rtlCol="0">
+            <a:spAutoFit/>
+          </a:bodyPr>
+          <a:lstStyle/>
+          <a:p>
+            <a:r>
+              <a:rPr lang="en-US" dirty="0" smtClean="0">
+                <a:solidFill>
+                  <a:srgbClr val="FF0000"/>
+                </a:solidFill>
+              </a:rPr>
+              <a:t>“call_from:12:777” </a:t>
+            </a:r>
+            <a:r>
+              <a:rPr lang="en-US" dirty="0" smtClean="0"/>
+              <a:t>have a call from 12 call id:777</a:t>
+            </a:r>
+            <a:endParaRPr lang="en-US" dirty="0"/>
+          </a:p>
+        </p:txBody>
+      </p:sp>
+      <p:sp>
+        <p:nvSpPr>
+          <p:cNvPr id="17" name="TextBox 16"/>
+          <p:cNvSpPr txBox="1"/>
+          <p:nvPr/>
+        </p:nvSpPr>
+        <p:spPr>
+          <a:xfrm>
+            <a:off x="5141506" y="195952"/>
+            <a:ext cx="1877181" cy="369332"/>
+          </a:xfrm>
+          <a:prstGeom prst="rect">
+            <a:avLst/>
+          </a:prstGeom>
+          <a:noFill/>
+        </p:spPr>
+        <p:txBody>
+          <a:bodyPr wrap="none" rtlCol="0">
+            <a:spAutoFit/>
+          </a:bodyPr>
+          <a:lstStyle/>
+          <a:p>
+            <a:r>
+              <a:rPr lang="en-US" b="1" dirty="0" smtClean="0"/>
+              <a:t>Call from 12 to 34</a:t>
+            </a:r>
+            <a:endParaRPr lang="en-US" b="1" dirty="0"/>
+          </a:p>
+        </p:txBody>
+      </p:sp>
+      <p:cxnSp>
+        <p:nvCxnSpPr>
+          <p:cNvPr id="18" name="Straight Arrow Connector 17"/>
+          <p:cNvCxnSpPr/>
+          <p:nvPr/>
+        </p:nvCxnSpPr>
+        <p:spPr>
+          <a:xfrm flipH="1">
+            <a:off x="6587066" y="3719688"/>
+            <a:ext cx="3465690" cy="22578"/>
+          </a:xfrm>
+          <a:prstGeom prst="straightConnector1">
+            <a:avLst/>
+          </a:prstGeom>
+          <a:ln>
+            <a:tailEnd type="triangle"/>
+          </a:ln>
+        </p:spPr>
+        <p:style>
+          <a:lnRef idx="1">
+            <a:schemeClr val="accent1"/>
+          </a:lnRef>
+          <a:fillRef idx="0">
+            <a:schemeClr val="accent1"/>
+          </a:fillRef>
+          <a:effectRef idx="0">
+            <a:schemeClr val="accent1"/>
+          </a:effectRef>
+          <a:fontRef idx="minor">
+            <a:schemeClr val="tx1"/>
+          </a:fontRef>
+        </p:style>
+      </p:cxnSp>
+      <p:sp>
+        <p:nvSpPr>
+          <p:cNvPr id="19" name="TextBox 18"/>
+          <p:cNvSpPr txBox="1"/>
+          <p:nvPr/>
+        </p:nvSpPr>
+        <p:spPr>
+          <a:xfrm>
+            <a:off x="6649600" y="4039740"/>
+            <a:ext cx="4459554" cy="369332"/>
+          </a:xfrm>
+          <a:prstGeom prst="rect">
+            <a:avLst/>
+          </a:prstGeom>
+          <a:noFill/>
+        </p:spPr>
+        <p:txBody>
+          <a:bodyPr wrap="square" rtlCol="0">
+            <a:spAutoFit/>
+          </a:bodyPr>
+          <a:lstStyle/>
+          <a:p>
+            <a:r>
+              <a:rPr lang="en-US" dirty="0" smtClean="0">
+                <a:solidFill>
+                  <a:srgbClr val="FF0000"/>
+                </a:solidFill>
+              </a:rPr>
+              <a:t>“accept:34:777” </a:t>
+            </a:r>
+            <a:r>
+              <a:rPr lang="en-US" dirty="0" smtClean="0"/>
+              <a:t>accept call id 777 by 34</a:t>
+            </a:r>
+            <a:endParaRPr lang="en-US" dirty="0"/>
+          </a:p>
+        </p:txBody>
+      </p:sp>
+      <p:sp>
+        <p:nvSpPr>
+          <p:cNvPr id="23" name="Oval 22"/>
+          <p:cNvSpPr/>
+          <p:nvPr/>
+        </p:nvSpPr>
+        <p:spPr>
+          <a:xfrm>
+            <a:off x="5802489" y="4000231"/>
+            <a:ext cx="530577" cy="530577"/>
+          </a:xfrm>
+          <a:prstGeom prst="ellipse">
+            <a:avLst/>
+          </a:prstGeom>
+          <a:solidFill>
+            <a:schemeClr val="accent6"/>
+          </a:solidFill>
+        </p:spPr>
+        <p:style>
+          <a:lnRef idx="2">
+            <a:schemeClr val="accent1">
+              <a:shade val="50000"/>
+            </a:schemeClr>
+          </a:lnRef>
+          <a:fillRef idx="1">
+            <a:schemeClr val="accent1"/>
+          </a:fillRef>
+          <a:effectRef idx="0">
+            <a:schemeClr val="accent1"/>
+          </a:effectRef>
+          <a:fontRef idx="minor">
+            <a:schemeClr val="lt1"/>
+          </a:fontRef>
+        </p:style>
+        <p:txBody>
+          <a:bodyPr rtlCol="0" anchor="ctr"/>
+          <a:lstStyle/>
+          <a:p>
+            <a:pPr algn="ctr"/>
+            <a:r>
               <a:rPr lang="en-US" sz="2400" dirty="0"/>
               <a:t>2</a:t>
             </a:r>
-            <a:endParaRPr lang="en-US" sz="2400" dirty="0"/>
-          </a:p>
-        </p:txBody>
-      </p:sp>
+          </a:p>
+        </p:txBody>
+      </p:sp>
+      <p:cxnSp>
+        <p:nvCxnSpPr>
+          <p:cNvPr id="24" name="Straight Arrow Connector 23"/>
+          <p:cNvCxnSpPr/>
+          <p:nvPr/>
+        </p:nvCxnSpPr>
+        <p:spPr>
+          <a:xfrm flipV="1">
+            <a:off x="6598355" y="4942851"/>
+            <a:ext cx="3465689" cy="11289"/>
+          </a:xfrm>
+          <a:prstGeom prst="straightConnector1">
+            <a:avLst/>
+          </a:prstGeom>
+          <a:ln>
+            <a:tailEnd type="triangle"/>
+          </a:ln>
+        </p:spPr>
+        <p:style>
+          <a:lnRef idx="1">
+            <a:schemeClr val="accent1"/>
+          </a:lnRef>
+          <a:fillRef idx="0">
+            <a:schemeClr val="accent1"/>
+          </a:fillRef>
+          <a:effectRef idx="0">
+            <a:schemeClr val="accent1"/>
+          </a:effectRef>
+          <a:fontRef idx="minor">
+            <a:schemeClr val="tx1"/>
+          </a:fontRef>
+        </p:style>
+      </p:cxnSp>
+      <p:sp>
+        <p:nvSpPr>
+          <p:cNvPr id="25" name="TextBox 24"/>
+          <p:cNvSpPr txBox="1"/>
+          <p:nvPr/>
+        </p:nvSpPr>
+        <p:spPr>
+          <a:xfrm>
+            <a:off x="6598355" y="5036364"/>
+            <a:ext cx="3463128" cy="369332"/>
+          </a:xfrm>
+          <a:prstGeom prst="rect">
+            <a:avLst/>
+          </a:prstGeom>
+          <a:noFill/>
+        </p:spPr>
+        <p:txBody>
+          <a:bodyPr wrap="none" rtlCol="0">
+            <a:spAutoFit/>
+          </a:bodyPr>
+          <a:lstStyle/>
+          <a:p>
+            <a:r>
+              <a:rPr lang="en-US" dirty="0" smtClean="0">
+                <a:solidFill>
+                  <a:srgbClr val="FF0000"/>
+                </a:solidFill>
+              </a:rPr>
+              <a:t>“</a:t>
+            </a:r>
+            <a:r>
+              <a:rPr lang="en-US" dirty="0" err="1" smtClean="0">
+                <a:solidFill>
+                  <a:srgbClr val="FF0000"/>
+                </a:solidFill>
+              </a:rPr>
+              <a:t>start:TIMESTAMP</a:t>
+            </a:r>
+            <a:r>
+              <a:rPr lang="en-US" dirty="0" smtClean="0">
+                <a:solidFill>
+                  <a:srgbClr val="FF0000"/>
+                </a:solidFill>
+              </a:rPr>
+              <a:t>” </a:t>
+            </a:r>
+            <a:r>
+              <a:rPr lang="en-US" dirty="0" smtClean="0"/>
+              <a:t>start streaming</a:t>
+            </a:r>
+            <a:endParaRPr lang="en-US" dirty="0"/>
+          </a:p>
+        </p:txBody>
+      </p:sp>
+      <p:sp>
+        <p:nvSpPr>
+          <p:cNvPr id="26" name="TextBox 25"/>
+          <p:cNvSpPr txBox="1"/>
+          <p:nvPr/>
+        </p:nvSpPr>
+        <p:spPr>
+          <a:xfrm>
+            <a:off x="1964239" y="5069310"/>
+            <a:ext cx="3463128" cy="369332"/>
+          </a:xfrm>
+          <a:prstGeom prst="rect">
+            <a:avLst/>
+          </a:prstGeom>
+          <a:noFill/>
+        </p:spPr>
+        <p:txBody>
+          <a:bodyPr wrap="none" rtlCol="0">
+            <a:spAutoFit/>
+          </a:bodyPr>
+          <a:lstStyle/>
+          <a:p>
+            <a:r>
+              <a:rPr lang="en-US" dirty="0" smtClean="0">
+                <a:solidFill>
+                  <a:srgbClr val="FF0000"/>
+                </a:solidFill>
+              </a:rPr>
+              <a:t>“</a:t>
+            </a:r>
+            <a:r>
+              <a:rPr lang="en-US" dirty="0" err="1" smtClean="0">
+                <a:solidFill>
+                  <a:srgbClr val="FF0000"/>
+                </a:solidFill>
+              </a:rPr>
+              <a:t>start:TIMESTAMP</a:t>
+            </a:r>
+            <a:r>
+              <a:rPr lang="en-US" dirty="0" smtClean="0">
+                <a:solidFill>
+                  <a:srgbClr val="FF0000"/>
+                </a:solidFill>
+              </a:rPr>
+              <a:t>” </a:t>
+            </a:r>
+            <a:r>
+              <a:rPr lang="en-US" dirty="0" smtClean="0"/>
+              <a:t>start streaming</a:t>
+            </a:r>
+            <a:endParaRPr lang="en-US" dirty="0"/>
+          </a:p>
+        </p:txBody>
+      </p:sp>
+      <p:cxnSp>
+        <p:nvCxnSpPr>
+          <p:cNvPr id="27" name="Straight Arrow Connector 26"/>
+          <p:cNvCxnSpPr/>
+          <p:nvPr/>
+        </p:nvCxnSpPr>
+        <p:spPr>
+          <a:xfrm flipH="1">
+            <a:off x="1961677" y="4954140"/>
+            <a:ext cx="3465690" cy="22578"/>
+          </a:xfrm>
+          <a:prstGeom prst="straightConnector1">
+            <a:avLst/>
+          </a:prstGeom>
+          <a:ln>
+            <a:tailEnd type="triangle"/>
+          </a:ln>
+        </p:spPr>
+        <p:style>
+          <a:lnRef idx="1">
+            <a:schemeClr val="accent1"/>
+          </a:lnRef>
+          <a:fillRef idx="0">
+            <a:schemeClr val="accent1"/>
+          </a:fillRef>
+          <a:effectRef idx="0">
+            <a:schemeClr val="accent1"/>
+          </a:effectRef>
+          <a:fontRef idx="minor">
+            <a:schemeClr val="tx1"/>
+          </a:fontRef>
+        </p:style>
+      </p:cxnSp>
     </p:spTree>
     <p:extLst>
       <p:ext uri="{BB962C8B-B14F-4D97-AF65-F5344CB8AC3E}">

--- a/server/doc/por_audio_call_protocol.pptx
+++ b/server/doc/por_audio_call_protocol.pptx
@@ -7,6 +7,7 @@
   <p:sldIdLst>
     <p:sldId id="257" r:id="rId2"/>
     <p:sldId id="256" r:id="rId3"/>
+    <p:sldId id="258" r:id="rId4"/>
   </p:sldIdLst>
   <p:sldSz cx="12192000" cy="6858000"/>
   <p:notesSz cx="6858000" cy="9144000"/>
@@ -244,7 +245,7 @@
           <a:p>
             <a:fld id="{FA11F7C2-98F1-42A2-91AA-64EC788B80A9}" type="datetimeFigureOut">
               <a:rPr lang="en-US" smtClean="0"/>
-              <a:t>1/30/2017</a:t>
+              <a:t>2/11/2017</a:t>
             </a:fld>
             <a:endParaRPr lang="en-US"/>
           </a:p>
@@ -414,7 +415,7 @@
           <a:p>
             <a:fld id="{FA11F7C2-98F1-42A2-91AA-64EC788B80A9}" type="datetimeFigureOut">
               <a:rPr lang="en-US" smtClean="0"/>
-              <a:t>1/30/2017</a:t>
+              <a:t>2/11/2017</a:t>
             </a:fld>
             <a:endParaRPr lang="en-US"/>
           </a:p>
@@ -594,7 +595,7 @@
           <a:p>
             <a:fld id="{FA11F7C2-98F1-42A2-91AA-64EC788B80A9}" type="datetimeFigureOut">
               <a:rPr lang="en-US" smtClean="0"/>
-              <a:t>1/30/2017</a:t>
+              <a:t>2/11/2017</a:t>
             </a:fld>
             <a:endParaRPr lang="en-US"/>
           </a:p>
@@ -764,7 +765,7 @@
           <a:p>
             <a:fld id="{FA11F7C2-98F1-42A2-91AA-64EC788B80A9}" type="datetimeFigureOut">
               <a:rPr lang="en-US" smtClean="0"/>
-              <a:t>1/30/2017</a:t>
+              <a:t>2/11/2017</a:t>
             </a:fld>
             <a:endParaRPr lang="en-US"/>
           </a:p>
@@ -1010,7 +1011,7 @@
           <a:p>
             <a:fld id="{FA11F7C2-98F1-42A2-91AA-64EC788B80A9}" type="datetimeFigureOut">
               <a:rPr lang="en-US" smtClean="0"/>
-              <a:t>1/30/2017</a:t>
+              <a:t>2/11/2017</a:t>
             </a:fld>
             <a:endParaRPr lang="en-US"/>
           </a:p>
@@ -1242,7 +1243,7 @@
           <a:p>
             <a:fld id="{FA11F7C2-98F1-42A2-91AA-64EC788B80A9}" type="datetimeFigureOut">
               <a:rPr lang="en-US" smtClean="0"/>
-              <a:t>1/30/2017</a:t>
+              <a:t>2/11/2017</a:t>
             </a:fld>
             <a:endParaRPr lang="en-US"/>
           </a:p>
@@ -1609,7 +1610,7 @@
           <a:p>
             <a:fld id="{FA11F7C2-98F1-42A2-91AA-64EC788B80A9}" type="datetimeFigureOut">
               <a:rPr lang="en-US" smtClean="0"/>
-              <a:t>1/30/2017</a:t>
+              <a:t>2/11/2017</a:t>
             </a:fld>
             <a:endParaRPr lang="en-US"/>
           </a:p>
@@ -1727,7 +1728,7 @@
           <a:p>
             <a:fld id="{FA11F7C2-98F1-42A2-91AA-64EC788B80A9}" type="datetimeFigureOut">
               <a:rPr lang="en-US" smtClean="0"/>
-              <a:t>1/30/2017</a:t>
+              <a:t>2/11/2017</a:t>
             </a:fld>
             <a:endParaRPr lang="en-US"/>
           </a:p>
@@ -1822,7 +1823,7 @@
           <a:p>
             <a:fld id="{FA11F7C2-98F1-42A2-91AA-64EC788B80A9}" type="datetimeFigureOut">
               <a:rPr lang="en-US" smtClean="0"/>
-              <a:t>1/30/2017</a:t>
+              <a:t>2/11/2017</a:t>
             </a:fld>
             <a:endParaRPr lang="en-US"/>
           </a:p>
@@ -2099,7 +2100,7 @@
           <a:p>
             <a:fld id="{FA11F7C2-98F1-42A2-91AA-64EC788B80A9}" type="datetimeFigureOut">
               <a:rPr lang="en-US" smtClean="0"/>
-              <a:t>1/30/2017</a:t>
+              <a:t>2/11/2017</a:t>
             </a:fld>
             <a:endParaRPr lang="en-US"/>
           </a:p>
@@ -2352,7 +2353,7 @@
           <a:p>
             <a:fld id="{FA11F7C2-98F1-42A2-91AA-64EC788B80A9}" type="datetimeFigureOut">
               <a:rPr lang="en-US" smtClean="0"/>
-              <a:t>1/30/2017</a:t>
+              <a:t>2/11/2017</a:t>
             </a:fld>
             <a:endParaRPr lang="en-US"/>
           </a:p>
@@ -2565,7 +2566,7 @@
           <a:p>
             <a:fld id="{FA11F7C2-98F1-42A2-91AA-64EC788B80A9}" type="datetimeFigureOut">
               <a:rPr lang="en-US" smtClean="0"/>
-              <a:t>1/30/2017</a:t>
+              <a:t>2/11/2017</a:t>
             </a:fld>
             <a:endParaRPr lang="en-US"/>
           </a:p>
@@ -4322,6 +4323,596 @@
 </p:sld>
 </file>
 
+<file path=ppt/slides/slide3.xml><?xml version="1.0" encoding="utf-8"?>
+<p:sld xmlns:a="http://schemas.openxmlformats.org/drawingml/2006/main" xmlns:r="http://schemas.openxmlformats.org/officeDocument/2006/relationships" xmlns:p="http://schemas.openxmlformats.org/presentationml/2006/main">
+  <p:cSld>
+    <p:spTree>
+      <p:nvGrpSpPr>
+        <p:cNvPr id="1" name=""/>
+        <p:cNvGrpSpPr/>
+        <p:nvPr/>
+      </p:nvGrpSpPr>
+      <p:grpSpPr>
+        <a:xfrm>
+          <a:off x="0" y="0"/>
+          <a:ext cx="0" cy="0"/>
+          <a:chOff x="0" y="0"/>
+          <a:chExt cx="0" cy="0"/>
+        </a:xfrm>
+      </p:grpSpPr>
+      <p:sp>
+        <p:nvSpPr>
+          <p:cNvPr id="4" name="Rectangle 3"/>
+          <p:cNvSpPr/>
+          <p:nvPr/>
+        </p:nvSpPr>
+        <p:spPr>
+          <a:xfrm>
+            <a:off x="677335" y="1761067"/>
+            <a:ext cx="1850588" cy="835378"/>
+          </a:xfrm>
+          <a:prstGeom prst="rect">
+            <a:avLst/>
+          </a:prstGeom>
+        </p:spPr>
+        <p:style>
+          <a:lnRef idx="3">
+            <a:schemeClr val="lt1"/>
+          </a:lnRef>
+          <a:fillRef idx="1">
+            <a:schemeClr val="accent4"/>
+          </a:fillRef>
+          <a:effectRef idx="1">
+            <a:schemeClr val="accent4"/>
+          </a:effectRef>
+          <a:fontRef idx="minor">
+            <a:schemeClr val="lt1"/>
+          </a:fontRef>
+        </p:style>
+        <p:txBody>
+          <a:bodyPr rtlCol="0" anchor="ctr"/>
+          <a:lstStyle/>
+          <a:p>
+            <a:pPr algn="ctr"/>
+            <a:r>
+              <a:rPr lang="en-US" sz="2400" dirty="0" smtClean="0"/>
+              <a:t>Call ID</a:t>
+            </a:r>
+            <a:endParaRPr lang="en-US" sz="2400" dirty="0"/>
+          </a:p>
+        </p:txBody>
+      </p:sp>
+      <p:sp>
+        <p:nvSpPr>
+          <p:cNvPr id="5" name="Rectangle 4"/>
+          <p:cNvSpPr/>
+          <p:nvPr/>
+        </p:nvSpPr>
+        <p:spPr>
+          <a:xfrm>
+            <a:off x="4626595" y="1761067"/>
+            <a:ext cx="3058552" cy="835378"/>
+          </a:xfrm>
+          <a:prstGeom prst="rect">
+            <a:avLst/>
+          </a:prstGeom>
+        </p:spPr>
+        <p:style>
+          <a:lnRef idx="3">
+            <a:schemeClr val="lt1"/>
+          </a:lnRef>
+          <a:fillRef idx="1">
+            <a:schemeClr val="accent6"/>
+          </a:fillRef>
+          <a:effectRef idx="1">
+            <a:schemeClr val="accent6"/>
+          </a:effectRef>
+          <a:fontRef idx="minor">
+            <a:schemeClr val="lt1"/>
+          </a:fontRef>
+        </p:style>
+        <p:txBody>
+          <a:bodyPr rtlCol="0" anchor="ctr"/>
+          <a:lstStyle/>
+          <a:p>
+            <a:pPr algn="ctr"/>
+            <a:r>
+              <a:rPr lang="en-US" sz="2400" dirty="0" smtClean="0"/>
+              <a:t>Timestamp</a:t>
+            </a:r>
+            <a:endParaRPr lang="en-US" sz="2400" dirty="0"/>
+          </a:p>
+        </p:txBody>
+      </p:sp>
+      <p:sp>
+        <p:nvSpPr>
+          <p:cNvPr id="6" name="Rectangle 5"/>
+          <p:cNvSpPr/>
+          <p:nvPr/>
+        </p:nvSpPr>
+        <p:spPr>
+          <a:xfrm>
+            <a:off x="677333" y="2737556"/>
+            <a:ext cx="9087555" cy="3200400"/>
+          </a:xfrm>
+          <a:prstGeom prst="rect">
+            <a:avLst/>
+          </a:prstGeom>
+        </p:spPr>
+        <p:style>
+          <a:lnRef idx="2">
+            <a:schemeClr val="accent1">
+              <a:shade val="50000"/>
+            </a:schemeClr>
+          </a:lnRef>
+          <a:fillRef idx="1">
+            <a:schemeClr val="accent1"/>
+          </a:fillRef>
+          <a:effectRef idx="0">
+            <a:schemeClr val="accent1"/>
+          </a:effectRef>
+          <a:fontRef idx="minor">
+            <a:schemeClr val="lt1"/>
+          </a:fontRef>
+        </p:style>
+        <p:txBody>
+          <a:bodyPr rtlCol="0" anchor="ctr"/>
+          <a:lstStyle/>
+          <a:p>
+            <a:pPr algn="ctr"/>
+            <a:r>
+              <a:rPr lang="en-US" sz="7200" b="1" dirty="0" smtClean="0"/>
+              <a:t>Payload</a:t>
+            </a:r>
+            <a:endParaRPr lang="en-US" sz="7200" b="1" dirty="0"/>
+          </a:p>
+        </p:txBody>
+      </p:sp>
+      <p:sp>
+        <p:nvSpPr>
+          <p:cNvPr id="8" name="Right Brace 7"/>
+          <p:cNvSpPr/>
+          <p:nvPr/>
+        </p:nvSpPr>
+        <p:spPr>
+          <a:xfrm>
+            <a:off x="10047111" y="1682045"/>
+            <a:ext cx="643467" cy="4346222"/>
+          </a:xfrm>
+          <a:prstGeom prst="rightBrace">
+            <a:avLst/>
+          </a:prstGeom>
+        </p:spPr>
+        <p:style>
+          <a:lnRef idx="1">
+            <a:schemeClr val="accent1"/>
+          </a:lnRef>
+          <a:fillRef idx="0">
+            <a:schemeClr val="accent1"/>
+          </a:fillRef>
+          <a:effectRef idx="0">
+            <a:schemeClr val="accent1"/>
+          </a:effectRef>
+          <a:fontRef idx="minor">
+            <a:schemeClr val="tx1"/>
+          </a:fontRef>
+        </p:style>
+        <p:txBody>
+          <a:bodyPr rtlCol="0" anchor="ctr"/>
+          <a:lstStyle/>
+          <a:p>
+            <a:pPr algn="ctr"/>
+            <a:endParaRPr lang="en-US"/>
+          </a:p>
+        </p:txBody>
+      </p:sp>
+      <p:sp>
+        <p:nvSpPr>
+          <p:cNvPr id="9" name="TextBox 8"/>
+          <p:cNvSpPr txBox="1"/>
+          <p:nvPr/>
+        </p:nvSpPr>
+        <p:spPr>
+          <a:xfrm>
+            <a:off x="10972801" y="3670490"/>
+            <a:ext cx="663964" cy="369332"/>
+          </a:xfrm>
+          <a:prstGeom prst="rect">
+            <a:avLst/>
+          </a:prstGeom>
+          <a:noFill/>
+        </p:spPr>
+        <p:txBody>
+          <a:bodyPr wrap="none" rtlCol="0">
+            <a:spAutoFit/>
+          </a:bodyPr>
+          <a:lstStyle/>
+          <a:p>
+            <a:r>
+              <a:rPr lang="en-US" dirty="0" smtClean="0"/>
+              <a:t>64KB</a:t>
+            </a:r>
+            <a:endParaRPr lang="en-US" dirty="0"/>
+          </a:p>
+        </p:txBody>
+      </p:sp>
+      <p:sp>
+        <p:nvSpPr>
+          <p:cNvPr id="10" name="Right Brace 9"/>
+          <p:cNvSpPr/>
+          <p:nvPr/>
+        </p:nvSpPr>
+        <p:spPr>
+          <a:xfrm rot="16200000">
+            <a:off x="1387927" y="574196"/>
+            <a:ext cx="290010" cy="1711195"/>
+          </a:xfrm>
+          <a:prstGeom prst="rightBrace">
+            <a:avLst/>
+          </a:prstGeom>
+        </p:spPr>
+        <p:style>
+          <a:lnRef idx="1">
+            <a:schemeClr val="accent1"/>
+          </a:lnRef>
+          <a:fillRef idx="0">
+            <a:schemeClr val="accent1"/>
+          </a:fillRef>
+          <a:effectRef idx="0">
+            <a:schemeClr val="accent1"/>
+          </a:effectRef>
+          <a:fontRef idx="minor">
+            <a:schemeClr val="tx1"/>
+          </a:fontRef>
+        </p:style>
+        <p:txBody>
+          <a:bodyPr rtlCol="0" anchor="ctr"/>
+          <a:lstStyle/>
+          <a:p>
+            <a:pPr algn="ctr"/>
+            <a:endParaRPr lang="en-US"/>
+          </a:p>
+        </p:txBody>
+      </p:sp>
+      <p:sp>
+        <p:nvSpPr>
+          <p:cNvPr id="11" name="Right Brace 10"/>
+          <p:cNvSpPr/>
+          <p:nvPr/>
+        </p:nvSpPr>
+        <p:spPr>
+          <a:xfrm rot="16200000">
+            <a:off x="6010866" y="-123775"/>
+            <a:ext cx="290010" cy="3058552"/>
+          </a:xfrm>
+          <a:prstGeom prst="rightBrace">
+            <a:avLst/>
+          </a:prstGeom>
+        </p:spPr>
+        <p:style>
+          <a:lnRef idx="1">
+            <a:schemeClr val="accent1"/>
+          </a:lnRef>
+          <a:fillRef idx="0">
+            <a:schemeClr val="accent1"/>
+          </a:fillRef>
+          <a:effectRef idx="0">
+            <a:schemeClr val="accent1"/>
+          </a:effectRef>
+          <a:fontRef idx="minor">
+            <a:schemeClr val="tx1"/>
+          </a:fontRef>
+        </p:style>
+        <p:txBody>
+          <a:bodyPr rtlCol="0" anchor="ctr"/>
+          <a:lstStyle/>
+          <a:p>
+            <a:pPr algn="ctr"/>
+            <a:endParaRPr lang="en-US"/>
+          </a:p>
+        </p:txBody>
+      </p:sp>
+      <p:sp>
+        <p:nvSpPr>
+          <p:cNvPr id="12" name="TextBox 11"/>
+          <p:cNvSpPr txBox="1"/>
+          <p:nvPr/>
+        </p:nvSpPr>
+        <p:spPr>
+          <a:xfrm>
+            <a:off x="938697" y="729188"/>
+            <a:ext cx="1151111" cy="369332"/>
+          </a:xfrm>
+          <a:prstGeom prst="rect">
+            <a:avLst/>
+          </a:prstGeom>
+          <a:noFill/>
+        </p:spPr>
+        <p:txBody>
+          <a:bodyPr wrap="square" rtlCol="0">
+            <a:spAutoFit/>
+          </a:bodyPr>
+          <a:lstStyle/>
+          <a:p>
+            <a:r>
+              <a:rPr lang="en-US" dirty="0" smtClean="0"/>
+              <a:t>4 bytes</a:t>
+            </a:r>
+            <a:endParaRPr lang="en-US" dirty="0"/>
+          </a:p>
+        </p:txBody>
+      </p:sp>
+      <p:sp>
+        <p:nvSpPr>
+          <p:cNvPr id="13" name="TextBox 12"/>
+          <p:cNvSpPr txBox="1"/>
+          <p:nvPr/>
+        </p:nvSpPr>
+        <p:spPr>
+          <a:xfrm>
+            <a:off x="5725753" y="729188"/>
+            <a:ext cx="860235" cy="369332"/>
+          </a:xfrm>
+          <a:prstGeom prst="rect">
+            <a:avLst/>
+          </a:prstGeom>
+          <a:noFill/>
+        </p:spPr>
+        <p:txBody>
+          <a:bodyPr wrap="none" rtlCol="0">
+            <a:spAutoFit/>
+          </a:bodyPr>
+          <a:lstStyle/>
+          <a:p>
+            <a:r>
+              <a:rPr lang="en-US" dirty="0"/>
+              <a:t>8</a:t>
+            </a:r>
+            <a:r>
+              <a:rPr lang="en-US" dirty="0" smtClean="0"/>
+              <a:t> bytes</a:t>
+            </a:r>
+            <a:endParaRPr lang="en-US" dirty="0"/>
+          </a:p>
+        </p:txBody>
+      </p:sp>
+      <p:sp>
+        <p:nvSpPr>
+          <p:cNvPr id="16" name="Rectangle 15"/>
+          <p:cNvSpPr/>
+          <p:nvPr/>
+        </p:nvSpPr>
+        <p:spPr>
+          <a:xfrm>
+            <a:off x="2651965" y="1753208"/>
+            <a:ext cx="1850588" cy="835378"/>
+          </a:xfrm>
+          <a:prstGeom prst="rect">
+            <a:avLst/>
+          </a:prstGeom>
+        </p:spPr>
+        <p:style>
+          <a:lnRef idx="3">
+            <a:schemeClr val="lt1"/>
+          </a:lnRef>
+          <a:fillRef idx="1">
+            <a:schemeClr val="accent3"/>
+          </a:fillRef>
+          <a:effectRef idx="1">
+            <a:schemeClr val="accent3"/>
+          </a:effectRef>
+          <a:fontRef idx="minor">
+            <a:schemeClr val="lt1"/>
+          </a:fontRef>
+        </p:style>
+        <p:txBody>
+          <a:bodyPr rtlCol="0" anchor="ctr"/>
+          <a:lstStyle/>
+          <a:p>
+            <a:pPr algn="ctr"/>
+            <a:r>
+              <a:rPr lang="en-US" sz="2400" dirty="0"/>
+              <a:t>T</a:t>
+            </a:r>
+            <a:r>
+              <a:rPr lang="en-US" sz="2400" dirty="0" smtClean="0"/>
+              <a:t>ype</a:t>
+            </a:r>
+            <a:endParaRPr lang="en-US" sz="2400" dirty="0"/>
+          </a:p>
+        </p:txBody>
+      </p:sp>
+      <p:sp>
+        <p:nvSpPr>
+          <p:cNvPr id="17" name="Right Brace 16"/>
+          <p:cNvSpPr/>
+          <p:nvPr/>
+        </p:nvSpPr>
+        <p:spPr>
+          <a:xfrm rot="16200000">
+            <a:off x="3432255" y="496640"/>
+            <a:ext cx="290010" cy="1850590"/>
+          </a:xfrm>
+          <a:prstGeom prst="rightBrace">
+            <a:avLst/>
+          </a:prstGeom>
+        </p:spPr>
+        <p:style>
+          <a:lnRef idx="1">
+            <a:schemeClr val="accent1"/>
+          </a:lnRef>
+          <a:fillRef idx="0">
+            <a:schemeClr val="accent1"/>
+          </a:fillRef>
+          <a:effectRef idx="0">
+            <a:schemeClr val="accent1"/>
+          </a:effectRef>
+          <a:fontRef idx="minor">
+            <a:schemeClr val="tx1"/>
+          </a:fontRef>
+        </p:style>
+        <p:txBody>
+          <a:bodyPr rtlCol="0" anchor="ctr"/>
+          <a:lstStyle/>
+          <a:p>
+            <a:pPr algn="ctr"/>
+            <a:endParaRPr lang="en-US"/>
+          </a:p>
+        </p:txBody>
+      </p:sp>
+      <p:sp>
+        <p:nvSpPr>
+          <p:cNvPr id="18" name="TextBox 17"/>
+          <p:cNvSpPr txBox="1"/>
+          <p:nvPr/>
+        </p:nvSpPr>
+        <p:spPr>
+          <a:xfrm>
+            <a:off x="3109993" y="758627"/>
+            <a:ext cx="1151111" cy="369332"/>
+          </a:xfrm>
+          <a:prstGeom prst="rect">
+            <a:avLst/>
+          </a:prstGeom>
+          <a:noFill/>
+        </p:spPr>
+        <p:txBody>
+          <a:bodyPr wrap="square" rtlCol="0">
+            <a:spAutoFit/>
+          </a:bodyPr>
+          <a:lstStyle/>
+          <a:p>
+            <a:r>
+              <a:rPr lang="en-US" dirty="0" smtClean="0"/>
+              <a:t>4 bytes</a:t>
+            </a:r>
+            <a:endParaRPr lang="en-US" dirty="0"/>
+          </a:p>
+        </p:txBody>
+      </p:sp>
+      <p:sp>
+        <p:nvSpPr>
+          <p:cNvPr id="19" name="Rectangle 18"/>
+          <p:cNvSpPr/>
+          <p:nvPr/>
+        </p:nvSpPr>
+        <p:spPr>
+          <a:xfrm>
+            <a:off x="7893358" y="1751761"/>
+            <a:ext cx="1866575" cy="835379"/>
+          </a:xfrm>
+          <a:prstGeom prst="rect">
+            <a:avLst/>
+          </a:prstGeom>
+        </p:spPr>
+        <p:style>
+          <a:lnRef idx="3">
+            <a:schemeClr val="lt1"/>
+          </a:lnRef>
+          <a:fillRef idx="1">
+            <a:schemeClr val="accent2"/>
+          </a:fillRef>
+          <a:effectRef idx="1">
+            <a:schemeClr val="accent2"/>
+          </a:effectRef>
+          <a:fontRef idx="minor">
+            <a:schemeClr val="lt1"/>
+          </a:fontRef>
+        </p:style>
+        <p:txBody>
+          <a:bodyPr rtlCol="0" anchor="ctr"/>
+          <a:lstStyle/>
+          <a:p>
+            <a:pPr algn="ctr"/>
+            <a:r>
+              <a:rPr lang="en-US" sz="2400" dirty="0" smtClean="0"/>
+              <a:t>Length</a:t>
+            </a:r>
+            <a:endParaRPr lang="en-US" sz="2400" dirty="0"/>
+          </a:p>
+        </p:txBody>
+      </p:sp>
+      <p:sp>
+        <p:nvSpPr>
+          <p:cNvPr id="20" name="TextBox 19"/>
+          <p:cNvSpPr txBox="1"/>
+          <p:nvPr/>
+        </p:nvSpPr>
+        <p:spPr>
+          <a:xfrm>
+            <a:off x="8503489" y="740746"/>
+            <a:ext cx="646307" cy="369332"/>
+          </a:xfrm>
+          <a:prstGeom prst="rect">
+            <a:avLst/>
+          </a:prstGeom>
+          <a:noFill/>
+        </p:spPr>
+        <p:txBody>
+          <a:bodyPr wrap="none" rtlCol="0">
+            <a:spAutoFit/>
+          </a:bodyPr>
+          <a:lstStyle/>
+          <a:p>
+            <a:r>
+              <a:rPr lang="en-US" dirty="0" smtClean="0"/>
+              <a:t>4 bytes</a:t>
+            </a:r>
+            <a:endParaRPr lang="en-US" dirty="0"/>
+          </a:p>
+        </p:txBody>
+      </p:sp>
+      <p:sp>
+        <p:nvSpPr>
+          <p:cNvPr id="21" name="Right Brace 20"/>
+          <p:cNvSpPr/>
+          <p:nvPr/>
+        </p:nvSpPr>
+        <p:spPr>
+          <a:xfrm rot="16200000">
+            <a:off x="8749140" y="464858"/>
+            <a:ext cx="155014" cy="1866573"/>
+          </a:xfrm>
+          <a:prstGeom prst="rightBrace">
+            <a:avLst/>
+          </a:prstGeom>
+        </p:spPr>
+        <p:style>
+          <a:lnRef idx="1">
+            <a:schemeClr val="accent1"/>
+          </a:lnRef>
+          <a:fillRef idx="0">
+            <a:schemeClr val="accent1"/>
+          </a:fillRef>
+          <a:effectRef idx="0">
+            <a:schemeClr val="accent1"/>
+          </a:effectRef>
+          <a:fontRef idx="minor">
+            <a:schemeClr val="tx1"/>
+          </a:fontRef>
+        </p:style>
+        <p:txBody>
+          <a:bodyPr rtlCol="0" anchor="ctr"/>
+          <a:lstStyle/>
+          <a:p>
+            <a:pPr algn="ctr"/>
+            <a:endParaRPr lang="en-US"/>
+          </a:p>
+        </p:txBody>
+      </p:sp>
+    </p:spTree>
+    <p:extLst>
+      <p:ext uri="{BB962C8B-B14F-4D97-AF65-F5344CB8AC3E}">
+        <p14:creationId xmlns:p14="http://schemas.microsoft.com/office/powerpoint/2010/main" val="859860679"/>
+      </p:ext>
+    </p:extLst>
+  </p:cSld>
+  <p:clrMapOvr>
+    <a:masterClrMapping/>
+  </p:clrMapOvr>
+</p:sld>
+</file>
+
 <file path=ppt/theme/theme1.xml><?xml version="1.0" encoding="utf-8"?>
 <a:theme xmlns:a="http://schemas.openxmlformats.org/drawingml/2006/main" name="Office Theme">
   <a:themeElements>
